--- a/Presentation3.pptx
+++ b/Presentation3.pptx
@@ -1607,7 +1607,7 @@
   <pc:docChgLst>
     <pc:chgData name="Jamie Mellway" userId="64a32afde6b9d889" providerId="LiveId" clId="{67EB9E89-BE3B-4955-A609-44CDC1D01A66}"/>
     <pc:docChg chg="custSel addSld delSld modSld sldOrd">
-      <pc:chgData name="Jamie Mellway" userId="64a32afde6b9d889" providerId="LiveId" clId="{67EB9E89-BE3B-4955-A609-44CDC1D01A66}" dt="2023-08-03T00:35:15.663" v="153" actId="20577"/>
+      <pc:chgData name="Jamie Mellway" userId="64a32afde6b9d889" providerId="LiveId" clId="{67EB9E89-BE3B-4955-A609-44CDC1D01A66}" dt="2023-08-03T23:24:00.626" v="412" actId="6549"/>
       <pc:docMkLst>
         <pc:docMk/>
       </pc:docMkLst>
@@ -1824,7 +1824,7 @@
         </pc:sldMkLst>
       </pc:sldChg>
       <pc:sldChg chg="addSp delSp modSp add del mod ord">
-        <pc:chgData name="Jamie Mellway" userId="64a32afde6b9d889" providerId="LiveId" clId="{67EB9E89-BE3B-4955-A609-44CDC1D01A66}" dt="2023-08-03T00:35:15.663" v="153" actId="20577"/>
+        <pc:chgData name="Jamie Mellway" userId="64a32afde6b9d889" providerId="LiveId" clId="{67EB9E89-BE3B-4955-A609-44CDC1D01A66}" dt="2023-08-03T23:24:00.626" v="412" actId="6549"/>
         <pc:sldMkLst>
           <pc:docMk/>
           <pc:sldMk cId="3124779397" sldId="384"/>
@@ -1838,7 +1838,7 @@
           </ac:spMkLst>
         </pc:spChg>
         <pc:spChg chg="add mod">
-          <ac:chgData name="Jamie Mellway" userId="64a32afde6b9d889" providerId="LiveId" clId="{67EB9E89-BE3B-4955-A609-44CDC1D01A66}" dt="2023-08-03T00:35:15.663" v="153" actId="20577"/>
+          <ac:chgData name="Jamie Mellway" userId="64a32afde6b9d889" providerId="LiveId" clId="{67EB9E89-BE3B-4955-A609-44CDC1D01A66}" dt="2023-08-03T23:24:00.626" v="412" actId="6549"/>
           <ac:spMkLst>
             <pc:docMk/>
             <pc:sldMk cId="3124779397" sldId="384"/>
@@ -2073,7 +2073,7 @@
           <a:p>
             <a:fld id="{4AAAF045-FEF6-43EA-9CDC-C84FC3F85E9C}" type="datetimeFigureOut">
               <a:rPr lang="en-US" smtClean="0"/>
-              <a:t>8/2/2023</a:t>
+              <a:t>8/3/2023</a:t>
             </a:fld>
             <a:endParaRPr lang="en-US"/>
           </a:p>
@@ -9994,7 +9994,7 @@
         <p:spPr>
           <a:xfrm>
             <a:off x="568037" y="1052946"/>
-            <a:ext cx="9781308" cy="2585323"/>
+            <a:ext cx="9781308" cy="4524315"/>
           </a:xfrm>
           <a:prstGeom prst="rect">
             <a:avLst/>
@@ -10022,8 +10022,99 @@
                 <a:effectLst/>
                 <a:latin typeface="Consolas" panose="020B0609020204030204" pitchFamily="49" charset="0"/>
               </a:rPr>
-              <a:t>All of Canada - Not just Ontario</a:t>
+              <a:t>Do all of Canada - Not just Ontario</a:t>
             </a:r>
+          </a:p>
+          <a:p>
+            <a:pPr marL="285750" indent="-285750">
+              <a:buFont typeface="Arial" panose="020B0604020202020204" pitchFamily="34" charset="0"/>
+              <a:buChar char="•"/>
+            </a:pPr>
+            <a:endParaRPr lang="en-US" dirty="0">
+              <a:solidFill>
+                <a:schemeClr val="tx1">
+                  <a:lumMod val="95000"/>
+                  <a:lumOff val="5000"/>
+                </a:schemeClr>
+              </a:solidFill>
+              <a:latin typeface="Consolas" panose="020B0609020204030204" pitchFamily="49" charset="0"/>
+            </a:endParaRPr>
+          </a:p>
+          <a:p>
+            <a:pPr marL="285750" indent="-285750">
+              <a:buFont typeface="Arial" panose="020B0604020202020204" pitchFamily="34" charset="0"/>
+              <a:buChar char="•"/>
+            </a:pPr>
+            <a:r>
+              <a:rPr lang="en-US" b="0" dirty="0">
+                <a:solidFill>
+                  <a:schemeClr val="tx1">
+                    <a:lumMod val="95000"/>
+                    <a:lumOff val="5000"/>
+                  </a:schemeClr>
+                </a:solidFill>
+                <a:effectLst/>
+                <a:latin typeface="Consolas" panose="020B0609020204030204" pitchFamily="49" charset="0"/>
+              </a:rPr>
+              <a:t>Need to automate adding in the inputs</a:t>
+            </a:r>
+          </a:p>
+          <a:p>
+            <a:pPr marL="285750" indent="-285750">
+              <a:buFont typeface="Arial" panose="020B0604020202020204" pitchFamily="34" charset="0"/>
+              <a:buChar char="•"/>
+            </a:pPr>
+            <a:endParaRPr lang="en-US" dirty="0">
+              <a:solidFill>
+                <a:schemeClr val="tx1">
+                  <a:lumMod val="95000"/>
+                  <a:lumOff val="5000"/>
+                </a:schemeClr>
+              </a:solidFill>
+              <a:latin typeface="Consolas" panose="020B0609020204030204" pitchFamily="49" charset="0"/>
+            </a:endParaRPr>
+          </a:p>
+          <a:p>
+            <a:pPr marL="285750" indent="-285750">
+              <a:buFont typeface="Arial" panose="020B0604020202020204" pitchFamily="34" charset="0"/>
+              <a:buChar char="•"/>
+            </a:pPr>
+            <a:r>
+              <a:rPr lang="en-US" b="0" dirty="0">
+                <a:solidFill>
+                  <a:schemeClr val="tx1">
+                    <a:lumMod val="95000"/>
+                    <a:lumOff val="5000"/>
+                  </a:schemeClr>
+                </a:solidFill>
+                <a:effectLst/>
+                <a:latin typeface="Consolas" panose="020B0609020204030204" pitchFamily="49" charset="0"/>
+              </a:rPr>
+              <a:t>Do </a:t>
+            </a:r>
+            <a:r>
+              <a:rPr lang="en-US" b="0">
+                <a:solidFill>
+                  <a:schemeClr val="tx1">
+                    <a:lumMod val="95000"/>
+                    <a:lumOff val="5000"/>
+                  </a:schemeClr>
+                </a:solidFill>
+                <a:effectLst/>
+                <a:latin typeface="Consolas" panose="020B0609020204030204" pitchFamily="49" charset="0"/>
+              </a:rPr>
+              <a:t>predictive modelling</a:t>
+            </a:r>
+            <a:endParaRPr lang="en-US" b="0" dirty="0">
+              <a:solidFill>
+                <a:schemeClr val="tx1">
+                  <a:lumMod val="95000"/>
+                  <a:lumOff val="5000"/>
+                </a:schemeClr>
+              </a:solidFill>
+              <a:effectLst/>
+              <a:latin typeface="Consolas" panose="020B0609020204030204" pitchFamily="49" charset="0"/>
+            </a:endParaRPr>
           </a:p>
           <a:p>
             <a:endParaRPr lang="en-US" b="0" dirty="0">
@@ -10104,7 +10195,7 @@
               <a:buChar char="•"/>
             </a:pPr>
             <a:r>
-              <a:rPr lang="en-US" b="0">
+              <a:rPr lang="en-US" b="0" dirty="0">
                 <a:solidFill>
                   <a:schemeClr val="tx1">
                     <a:lumMod val="95000"/>
@@ -10116,6 +10207,39 @@
               </a:rPr>
               <a:t>Wider Marketplace</a:t>
             </a:r>
+          </a:p>
+          <a:p>
+            <a:endParaRPr lang="en-US" b="0" dirty="0">
+              <a:solidFill>
+                <a:schemeClr val="tx1">
+                  <a:lumMod val="95000"/>
+                  <a:lumOff val="5000"/>
+                </a:schemeClr>
+              </a:solidFill>
+              <a:effectLst/>
+              <a:latin typeface="Consolas" panose="020B0609020204030204" pitchFamily="49" charset="0"/>
+            </a:endParaRPr>
+          </a:p>
+          <a:p>
+            <a:pPr marL="285750" indent="-285750">
+              <a:buFont typeface="Arial" panose="020B0604020202020204" pitchFamily="34" charset="0"/>
+              <a:buChar char="•"/>
+            </a:pPr>
+            <a:r>
+              <a:rPr lang="en-US" b="0" dirty="0">
+                <a:solidFill>
+                  <a:schemeClr val="tx1">
+                    <a:lumMod val="95000"/>
+                    <a:lumOff val="5000"/>
+                  </a:schemeClr>
+                </a:solidFill>
+                <a:effectLst/>
+                <a:latin typeface="Consolas" panose="020B0609020204030204" pitchFamily="49" charset="0"/>
+              </a:rPr>
+              <a:t>Add legal handling of transferring deeds</a:t>
+            </a:r>
+          </a:p>
+          <a:p>
             <a:endParaRPr lang="en-US" b="0" dirty="0">
               <a:solidFill>
                 <a:schemeClr val="tx1">
